--- a/presentation/HoehnAssignment2_Polly.pptx
+++ b/presentation/HoehnAssignment2_Polly.pptx
@@ -5,7 +5,7 @@
     <p:sldMasterId id="2147483686" r:id="rId1"/>
   </p:sldMasterIdLst>
   <p:notesMasterIdLst>
-    <p:notesMasterId r:id="rId12"/>
+    <p:notesMasterId r:id="rId14"/>
   </p:notesMasterIdLst>
   <p:sldIdLst>
     <p:sldId id="256" r:id="rId2"/>
@@ -17,7 +17,9 @@
     <p:sldId id="262" r:id="rId8"/>
     <p:sldId id="265" r:id="rId9"/>
     <p:sldId id="266" r:id="rId10"/>
-    <p:sldId id="260" r:id="rId11"/>
+    <p:sldId id="268" r:id="rId11"/>
+    <p:sldId id="267" r:id="rId12"/>
+    <p:sldId id="260" r:id="rId13"/>
   </p:sldIdLst>
   <p:sldSz cx="12192000" cy="6858000"/>
   <p:notesSz cx="6858000" cy="9144000"/>
@@ -206,7 +208,7 @@
           <a:p>
             <a:fld id="{FD159B06-F1D2-CA44-B076-5D4430A352F2}" type="datetimeFigureOut">
               <a:rPr lang="en-US" smtClean="0"/>
-              <a:t>3/22/23</a:t>
+              <a:t>3/23/23</a:t>
             </a:fld>
             <a:endParaRPr lang="en-US"/>
           </a:p>
@@ -715,7 +717,175 @@
     </p:spTree>
     <p:extLst>
       <p:ext uri="{BB962C8B-B14F-4D97-AF65-F5344CB8AC3E}">
-        <p14:creationId xmlns:p14="http://schemas.microsoft.com/office/powerpoint/2010/main" val="4270540925"/>
+        <p14:creationId xmlns:p14="http://schemas.microsoft.com/office/powerpoint/2010/main" val="4117555650"/>
+      </p:ext>
+    </p:extLst>
+  </p:cSld>
+  <p:clrMapOvr>
+    <a:masterClrMapping/>
+  </p:clrMapOvr>
+</p:notes>
+</file>
+
+<file path=ppt/notesSlides/notesSlide4.xml><?xml version="1.0" encoding="utf-8"?>
+<p:notes xmlns:a="http://schemas.openxmlformats.org/drawingml/2006/main" xmlns:r="http://schemas.openxmlformats.org/officeDocument/2006/relationships" xmlns:p="http://schemas.openxmlformats.org/presentationml/2006/main">
+  <p:cSld>
+    <p:spTree>
+      <p:nvGrpSpPr>
+        <p:cNvPr id="1" name=""/>
+        <p:cNvGrpSpPr/>
+        <p:nvPr/>
+      </p:nvGrpSpPr>
+      <p:grpSpPr>
+        <a:xfrm>
+          <a:off x="0" y="0"/>
+          <a:ext cx="0" cy="0"/>
+          <a:chOff x="0" y="0"/>
+          <a:chExt cx="0" cy="0"/>
+        </a:xfrm>
+      </p:grpSpPr>
+      <p:sp>
+        <p:nvSpPr>
+          <p:cNvPr id="2" name="Slide Image Placeholder 1"/>
+          <p:cNvSpPr>
+            <a:spLocks noGrp="1" noRot="1" noChangeAspect="1"/>
+          </p:cNvSpPr>
+          <p:nvPr>
+            <p:ph type="sldImg"/>
+          </p:nvPr>
+        </p:nvSpPr>
+        <p:spPr/>
+      </p:sp>
+      <p:sp>
+        <p:nvSpPr>
+          <p:cNvPr id="3" name="Notes Placeholder 2"/>
+          <p:cNvSpPr>
+            <a:spLocks noGrp="1"/>
+          </p:cNvSpPr>
+          <p:nvPr>
+            <p:ph type="body" idx="1"/>
+          </p:nvPr>
+        </p:nvSpPr>
+        <p:spPr/>
+        <p:txBody>
+          <a:bodyPr/>
+          <a:lstStyle/>
+          <a:p>
+            <a:endParaRPr lang="en-US" dirty="0"/>
+          </a:p>
+        </p:txBody>
+      </p:sp>
+      <p:sp>
+        <p:nvSpPr>
+          <p:cNvPr id="4" name="Slide Number Placeholder 3"/>
+          <p:cNvSpPr>
+            <a:spLocks noGrp="1"/>
+          </p:cNvSpPr>
+          <p:nvPr>
+            <p:ph type="sldNum" sz="quarter" idx="5"/>
+          </p:nvPr>
+        </p:nvSpPr>
+        <p:spPr/>
+        <p:txBody>
+          <a:bodyPr/>
+          <a:lstStyle/>
+          <a:p>
+            <a:fld id="{C910F56A-5384-CC40-A3B4-A869BEE484DE}" type="slidenum">
+              <a:rPr lang="en-US" smtClean="0"/>
+              <a:t>10</a:t>
+            </a:fld>
+            <a:endParaRPr lang="en-US"/>
+          </a:p>
+        </p:txBody>
+      </p:sp>
+    </p:spTree>
+    <p:extLst>
+      <p:ext uri="{BB962C8B-B14F-4D97-AF65-F5344CB8AC3E}">
+        <p14:creationId xmlns:p14="http://schemas.microsoft.com/office/powerpoint/2010/main" val="508868750"/>
+      </p:ext>
+    </p:extLst>
+  </p:cSld>
+  <p:clrMapOvr>
+    <a:masterClrMapping/>
+  </p:clrMapOvr>
+</p:notes>
+</file>
+
+<file path=ppt/notesSlides/notesSlide5.xml><?xml version="1.0" encoding="utf-8"?>
+<p:notes xmlns:a="http://schemas.openxmlformats.org/drawingml/2006/main" xmlns:r="http://schemas.openxmlformats.org/officeDocument/2006/relationships" xmlns:p="http://schemas.openxmlformats.org/presentationml/2006/main">
+  <p:cSld>
+    <p:spTree>
+      <p:nvGrpSpPr>
+        <p:cNvPr id="1" name=""/>
+        <p:cNvGrpSpPr/>
+        <p:nvPr/>
+      </p:nvGrpSpPr>
+      <p:grpSpPr>
+        <a:xfrm>
+          <a:off x="0" y="0"/>
+          <a:ext cx="0" cy="0"/>
+          <a:chOff x="0" y="0"/>
+          <a:chExt cx="0" cy="0"/>
+        </a:xfrm>
+      </p:grpSpPr>
+      <p:sp>
+        <p:nvSpPr>
+          <p:cNvPr id="2" name="Slide Image Placeholder 1"/>
+          <p:cNvSpPr>
+            <a:spLocks noGrp="1" noRot="1" noChangeAspect="1"/>
+          </p:cNvSpPr>
+          <p:nvPr>
+            <p:ph type="sldImg"/>
+          </p:nvPr>
+        </p:nvSpPr>
+        <p:spPr/>
+      </p:sp>
+      <p:sp>
+        <p:nvSpPr>
+          <p:cNvPr id="3" name="Notes Placeholder 2"/>
+          <p:cNvSpPr>
+            <a:spLocks noGrp="1"/>
+          </p:cNvSpPr>
+          <p:nvPr>
+            <p:ph type="body" idx="1"/>
+          </p:nvPr>
+        </p:nvSpPr>
+        <p:spPr/>
+        <p:txBody>
+          <a:bodyPr/>
+          <a:lstStyle/>
+          <a:p>
+            <a:endParaRPr lang="en-US" dirty="0"/>
+          </a:p>
+        </p:txBody>
+      </p:sp>
+      <p:sp>
+        <p:nvSpPr>
+          <p:cNvPr id="4" name="Slide Number Placeholder 3"/>
+          <p:cNvSpPr>
+            <a:spLocks noGrp="1"/>
+          </p:cNvSpPr>
+          <p:nvPr>
+            <p:ph type="sldNum" sz="quarter" idx="5"/>
+          </p:nvPr>
+        </p:nvSpPr>
+        <p:spPr/>
+        <p:txBody>
+          <a:bodyPr/>
+          <a:lstStyle/>
+          <a:p>
+            <a:fld id="{C910F56A-5384-CC40-A3B4-A869BEE484DE}" type="slidenum">
+              <a:rPr lang="en-US" smtClean="0"/>
+              <a:t>11</a:t>
+            </a:fld>
+            <a:endParaRPr lang="en-US"/>
+          </a:p>
+        </p:txBody>
+      </p:sp>
+    </p:spTree>
+    <p:extLst>
+      <p:ext uri="{BB962C8B-B14F-4D97-AF65-F5344CB8AC3E}">
+        <p14:creationId xmlns:p14="http://schemas.microsoft.com/office/powerpoint/2010/main" val="2848732584"/>
       </p:ext>
     </p:extLst>
   </p:cSld>
@@ -1258,7 +1428,7 @@
                 </a:solidFill>
               </a:rPr>
               <a:pPr algn="r"/>
-              <a:t>3/22/23</a:t>
+              <a:t>3/23/23</a:t>
             </a:fld>
             <a:r>
               <a:rPr lang="en-US" sz="1050" dirty="0">
@@ -1998,6 +2168,260 @@
           <p:cNvPr id="2" name="Title 1">
             <a:extLst>
               <a:ext uri="{FF2B5EF4-FFF2-40B4-BE49-F238E27FC236}">
+                <a16:creationId xmlns:a16="http://schemas.microsoft.com/office/drawing/2014/main" id="{2511EDAE-F205-4153-2036-BF72C7FC0C53}"/>
+              </a:ext>
+            </a:extLst>
+          </p:cNvPr>
+          <p:cNvSpPr>
+            <a:spLocks noGrp="1"/>
+          </p:cNvSpPr>
+          <p:nvPr>
+            <p:ph type="title"/>
+          </p:nvPr>
+        </p:nvSpPr>
+        <p:spPr/>
+        <p:txBody>
+          <a:bodyPr/>
+          <a:lstStyle/>
+          <a:p>
+            <a:r>
+              <a:rPr lang="en-US" dirty="0"/>
+              <a:t>Conclusion</a:t>
+            </a:r>
+          </a:p>
+        </p:txBody>
+      </p:sp>
+      <p:sp>
+        <p:nvSpPr>
+          <p:cNvPr id="3" name="Content Placeholder 2">
+            <a:extLst>
+              <a:ext uri="{FF2B5EF4-FFF2-40B4-BE49-F238E27FC236}">
+                <a16:creationId xmlns:a16="http://schemas.microsoft.com/office/drawing/2014/main" id="{B625FDFF-A62A-37BF-5523-05A4B4A0E9FF}"/>
+              </a:ext>
+            </a:extLst>
+          </p:cNvPr>
+          <p:cNvSpPr>
+            <a:spLocks noGrp="1"/>
+          </p:cNvSpPr>
+          <p:nvPr>
+            <p:ph idx="1"/>
+          </p:nvPr>
+        </p:nvSpPr>
+        <p:spPr>
+          <a:xfrm>
+            <a:off x="1088136" y="1878806"/>
+            <a:ext cx="9922764" cy="4407694"/>
+          </a:xfrm>
+        </p:spPr>
+        <p:txBody>
+          <a:bodyPr>
+            <a:normAutofit/>
+          </a:bodyPr>
+          <a:lstStyle/>
+          <a:p>
+            <a:pPr marL="0" indent="0">
+              <a:buNone/>
+            </a:pPr>
+            <a:r>
+              <a:rPr lang="en-US" b="1" u="sng" dirty="0"/>
+              <a:t>Thoughts on AWS Polly in conjunction with the CSCI 7400 Assignment 02</a:t>
+            </a:r>
+          </a:p>
+          <a:p>
+            <a:r>
+              <a:rPr lang="en-US" dirty="0"/>
+              <a:t>Polly is </a:t>
+            </a:r>
+            <a:r>
+              <a:rPr lang="en-US" u="sng" dirty="0"/>
+              <a:t>very fast</a:t>
+            </a:r>
+            <a:r>
+              <a:rPr lang="en-US" dirty="0"/>
+              <a:t> – To convert text to speech of 5-7seconds takes </a:t>
+            </a:r>
+            <a:r>
+              <a:rPr lang="en-US" b="1" dirty="0"/>
+              <a:t>~250ms</a:t>
+            </a:r>
+            <a:r>
+              <a:rPr lang="en-US" dirty="0"/>
+              <a:t>!</a:t>
+            </a:r>
+          </a:p>
+          <a:p>
+            <a:r>
+              <a:rPr lang="en-US" dirty="0"/>
+              <a:t>Pay as you go – I envision this being a very good way to let developers test speech synthesis and build apps that can help a variety of users.</a:t>
+            </a:r>
+          </a:p>
+          <a:p>
+            <a:r>
+              <a:rPr lang="en-US" dirty="0"/>
+              <a:t>Easy to use – Before this assignment I (Richard) had not prior experience with AWS Polly. Getting it setup and running was really easy and took a few days to understand.</a:t>
+            </a:r>
+          </a:p>
+          <a:p>
+            <a:r>
+              <a:rPr lang="en-US" dirty="0"/>
+              <a:t>Will seriously think about using AWS Polly on Ready 2 Learn in the future!</a:t>
+            </a:r>
+          </a:p>
+        </p:txBody>
+      </p:sp>
+    </p:spTree>
+    <p:extLst>
+      <p:ext uri="{BB962C8B-B14F-4D97-AF65-F5344CB8AC3E}">
+        <p14:creationId xmlns:p14="http://schemas.microsoft.com/office/powerpoint/2010/main" val="2447173298"/>
+      </p:ext>
+    </p:extLst>
+  </p:cSld>
+  <p:clrMapOvr>
+    <a:masterClrMapping/>
+  </p:clrMapOvr>
+</p:sld>
+</file>
+
+<file path=ppt/slides/slide11.xml><?xml version="1.0" encoding="utf-8"?>
+<p:sld xmlns:a="http://schemas.openxmlformats.org/drawingml/2006/main" xmlns:r="http://schemas.openxmlformats.org/officeDocument/2006/relationships" xmlns:p="http://schemas.openxmlformats.org/presentationml/2006/main">
+  <p:cSld>
+    <p:spTree>
+      <p:nvGrpSpPr>
+        <p:cNvPr id="1" name=""/>
+        <p:cNvGrpSpPr/>
+        <p:nvPr/>
+      </p:nvGrpSpPr>
+      <p:grpSpPr>
+        <a:xfrm>
+          <a:off x="0" y="0"/>
+          <a:ext cx="0" cy="0"/>
+          <a:chOff x="0" y="0"/>
+          <a:chExt cx="0" cy="0"/>
+        </a:xfrm>
+      </p:grpSpPr>
+      <p:sp>
+        <p:nvSpPr>
+          <p:cNvPr id="2" name="Title 1">
+            <a:extLst>
+              <a:ext uri="{FF2B5EF4-FFF2-40B4-BE49-F238E27FC236}">
+                <a16:creationId xmlns:a16="http://schemas.microsoft.com/office/drawing/2014/main" id="{2511EDAE-F205-4153-2036-BF72C7FC0C53}"/>
+              </a:ext>
+            </a:extLst>
+          </p:cNvPr>
+          <p:cNvSpPr>
+            <a:spLocks noGrp="1"/>
+          </p:cNvSpPr>
+          <p:nvPr>
+            <p:ph type="title"/>
+          </p:nvPr>
+        </p:nvSpPr>
+        <p:spPr/>
+        <p:txBody>
+          <a:bodyPr/>
+          <a:lstStyle/>
+          <a:p>
+            <a:r>
+              <a:rPr lang="en-US" dirty="0"/>
+              <a:t>Thank you</a:t>
+            </a:r>
+          </a:p>
+        </p:txBody>
+      </p:sp>
+      <p:sp>
+        <p:nvSpPr>
+          <p:cNvPr id="3" name="Content Placeholder 2">
+            <a:extLst>
+              <a:ext uri="{FF2B5EF4-FFF2-40B4-BE49-F238E27FC236}">
+                <a16:creationId xmlns:a16="http://schemas.microsoft.com/office/drawing/2014/main" id="{B625FDFF-A62A-37BF-5523-05A4B4A0E9FF}"/>
+              </a:ext>
+            </a:extLst>
+          </p:cNvPr>
+          <p:cNvSpPr>
+            <a:spLocks noGrp="1"/>
+          </p:cNvSpPr>
+          <p:nvPr>
+            <p:ph idx="1"/>
+          </p:nvPr>
+        </p:nvSpPr>
+        <p:spPr>
+          <a:xfrm>
+            <a:off x="181110" y="1872000"/>
+            <a:ext cx="11785290" cy="4599127"/>
+          </a:xfrm>
+        </p:spPr>
+        <p:txBody>
+          <a:bodyPr anchor="ctr">
+            <a:normAutofit/>
+          </a:bodyPr>
+          <a:lstStyle/>
+          <a:p>
+            <a:pPr marL="0" indent="0" algn="ctr">
+              <a:buNone/>
+            </a:pPr>
+            <a:r>
+              <a:rPr lang="en-US" sz="3600" dirty="0"/>
+              <a:t>Details and source code can be found on GIT</a:t>
+            </a:r>
+            <a:br>
+              <a:rPr lang="en-US" sz="3600" i="1" dirty="0"/>
+            </a:br>
+            <a:r>
+              <a:rPr lang="en-US" sz="3600" i="1" dirty="0"/>
+              <a:t>@</a:t>
+            </a:r>
+          </a:p>
+          <a:p>
+            <a:pPr marL="0" indent="0" algn="ctr">
+              <a:buNone/>
+            </a:pPr>
+            <a:r>
+              <a:rPr lang="en-US" sz="2400" dirty="0">
+                <a:hlinkClick r:id="rId3"/>
+              </a:rPr>
+              <a:t>https://github.com/richardhoehn/mtsu.csci.7400.assignment02</a:t>
+            </a:r>
+            <a:r>
+              <a:rPr lang="en-US" sz="2400" dirty="0"/>
+              <a:t> </a:t>
+            </a:r>
+          </a:p>
+        </p:txBody>
+      </p:sp>
+    </p:spTree>
+    <p:extLst>
+      <p:ext uri="{BB962C8B-B14F-4D97-AF65-F5344CB8AC3E}">
+        <p14:creationId xmlns:p14="http://schemas.microsoft.com/office/powerpoint/2010/main" val="519491839"/>
+      </p:ext>
+    </p:extLst>
+  </p:cSld>
+  <p:clrMapOvr>
+    <a:masterClrMapping/>
+  </p:clrMapOvr>
+</p:sld>
+</file>
+
+<file path=ppt/slides/slide12.xml><?xml version="1.0" encoding="utf-8"?>
+<p:sld xmlns:a="http://schemas.openxmlformats.org/drawingml/2006/main" xmlns:r="http://schemas.openxmlformats.org/officeDocument/2006/relationships" xmlns:p="http://schemas.openxmlformats.org/presentationml/2006/main">
+  <p:cSld>
+    <p:spTree>
+      <p:nvGrpSpPr>
+        <p:cNvPr id="1" name=""/>
+        <p:cNvGrpSpPr/>
+        <p:nvPr/>
+      </p:nvGrpSpPr>
+      <p:grpSpPr>
+        <a:xfrm>
+          <a:off x="0" y="0"/>
+          <a:ext cx="0" cy="0"/>
+          <a:chOff x="0" y="0"/>
+          <a:chExt cx="0" cy="0"/>
+        </a:xfrm>
+      </p:grpSpPr>
+      <p:sp>
+        <p:nvSpPr>
+          <p:cNvPr id="2" name="Title 1">
+            <a:extLst>
+              <a:ext uri="{FF2B5EF4-FFF2-40B4-BE49-F238E27FC236}">
                 <a16:creationId xmlns:a16="http://schemas.microsoft.com/office/drawing/2014/main" id="{67091D40-0BB4-851A-7725-022D486313BB}"/>
               </a:ext>
             </a:extLst>
@@ -2196,7 +2620,7 @@
           <a:p>
             <a:r>
               <a:rPr lang="en-US" dirty="0"/>
-              <a:t>It supports Neural Text-To-Speech (NTTS) voices, that delivers human like speech and pronunciation</a:t>
+              <a:t>It supports Neural Text-To-Speech (NTTS) voices, that delivers human like speech and pronunciation!</a:t>
             </a:r>
           </a:p>
           <a:p>
@@ -2222,7 +2646,7 @@
           </a:p>
           <a:p>
             <a:r>
-              <a:rPr lang="en-US" dirty="0"/>
+              <a:rPr lang="en-US" b="1" dirty="0"/>
               <a:t>Benefits of AWS Polly</a:t>
             </a:r>
           </a:p>
@@ -2230,7 +2654,7 @@
             <a:pPr lvl="1"/>
             <a:r>
               <a:rPr lang="en-US" dirty="0"/>
-              <a:t>Cost effective – Only pay what you use (SaaS)</a:t>
+              <a:t>Cost effective – Only pay what you use (SaaS) (~50hours @ $22.00)</a:t>
             </a:r>
           </a:p>
           <a:p>
@@ -2251,7 +2675,27 @@
             <a:pPr lvl="1"/>
             <a:r>
               <a:rPr lang="en-US" dirty="0"/>
-              <a:t>Supports many voices, including French Canadian</a:t>
+              <a:t>Supports </a:t>
+            </a:r>
+            <a:r>
+              <a:rPr lang="en-US" u="sng" dirty="0"/>
+              <a:t>many voices</a:t>
+            </a:r>
+            <a:r>
+              <a:rPr lang="en-US" dirty="0"/>
+              <a:t>, including French Canadian </a:t>
+            </a:r>
+            <a:r>
+              <a:rPr lang="en-US" sz="1500" dirty="0"/>
+              <a:t>(demo will use </a:t>
+            </a:r>
+            <a:r>
+              <a:rPr lang="en-US" sz="1500" dirty="0" err="1"/>
+              <a:t>VoiceId</a:t>
+            </a:r>
+            <a:r>
+              <a:rPr lang="en-US" sz="1500" dirty="0"/>
+              <a:t> = “Ruth”)</a:t>
             </a:r>
           </a:p>
         </p:txBody>
@@ -2942,7 +3386,7 @@
           <a:p>
             <a:r>
               <a:rPr lang="en-US" dirty="0"/>
-              <a:t>Simple Use Case &amp; Demo</a:t>
+              <a:t>R2L Use Case for AWS Polly</a:t>
             </a:r>
           </a:p>
         </p:txBody>
@@ -2965,13 +3409,24 @@
         </p:nvSpPr>
         <p:spPr>
           <a:xfrm>
-            <a:off x="1088136" y="2290620"/>
-            <a:ext cx="9922764" cy="3995880"/>
+            <a:off x="1088136" y="1878806"/>
+            <a:ext cx="9922764" cy="4407694"/>
           </a:xfrm>
         </p:spPr>
         <p:txBody>
-          <a:bodyPr/>
+          <a:bodyPr>
+            <a:normAutofit fontScale="92500" lnSpcReduction="10000"/>
+          </a:bodyPr>
           <a:lstStyle/>
+          <a:p>
+            <a:pPr marL="0" indent="0">
+              <a:buNone/>
+            </a:pPr>
+            <a:r>
+              <a:rPr lang="en-US" b="1" u="sng" dirty="0"/>
+              <a:t>Why Richard chose AWS Polly to Review</a:t>
+            </a:r>
+          </a:p>
           <a:p>
             <a:r>
               <a:rPr lang="en-US" dirty="0"/>
@@ -2989,19 +3444,41 @@
           <a:p>
             <a:r>
               <a:rPr lang="en-US" dirty="0"/>
-              <a:t>Most kids at the levels that app supports cannot read very well or at all!</a:t>
-            </a:r>
-          </a:p>
-          <a:p>
-            <a:r>
-              <a:rPr lang="en-US" dirty="0"/>
-              <a:t>Using Text-To-Speech the Ready 2 Learn App can help kids get “un-stuck” on their current learning problems that are contextual, which means based on the problem the kids is facing.</a:t>
-            </a:r>
-          </a:p>
-          <a:p>
-            <a:r>
-              <a:rPr lang="en-US" dirty="0"/>
-              <a:t>This is theoretical at the current time but the demo can show the uses of SaaS Text-To-Speech options with an AWS Polly demo.</a:t>
+              <a:t>Most app users (kids K - 3</a:t>
+            </a:r>
+            <a:r>
+              <a:rPr lang="en-US" baseline="30000" dirty="0"/>
+              <a:t>rd</a:t>
+            </a:r>
+            <a:r>
+              <a:rPr lang="en-US" dirty="0"/>
+              <a:t> grade) cannot read very well or at all!</a:t>
+            </a:r>
+          </a:p>
+          <a:p>
+            <a:r>
+              <a:rPr lang="en-US" dirty="0"/>
+              <a:t>Using Text-To-Speech the Ready 2 Learn App can help kids get </a:t>
+            </a:r>
+            <a:r>
+              <a:rPr lang="en-US" b="1" dirty="0"/>
+              <a:t>“un-stuck” </a:t>
+            </a:r>
+            <a:r>
+              <a:rPr lang="en-US" dirty="0"/>
+              <a:t>on their own by contextual descriptions of the problem.</a:t>
+            </a:r>
+          </a:p>
+          <a:p>
+            <a:r>
+              <a:rPr lang="en-US" dirty="0"/>
+              <a:t>This theoretical is just an idea, but the demo can show the uses of SaaS Text-To-Speech options with an AWS Polly demo.</a:t>
+            </a:r>
+          </a:p>
+          <a:p>
+            <a:r>
+              <a:rPr lang="en-US" dirty="0"/>
+              <a:t>Round trip test are as low as 200ms for AWS Polly to convert text to 6-8seconds of audio mp3 sound.</a:t>
             </a:r>
           </a:p>
           <a:p>
@@ -3012,36 +3489,6 @@
           </a:p>
         </p:txBody>
       </p:sp>
-      <p:pic>
-        <p:nvPicPr>
-          <p:cNvPr id="8" name="Picture 7" descr="Logo&#10;&#10;Description automatically generated">
-            <a:extLst>
-              <a:ext uri="{FF2B5EF4-FFF2-40B4-BE49-F238E27FC236}">
-                <a16:creationId xmlns:a16="http://schemas.microsoft.com/office/drawing/2014/main" id="{618B3470-7718-9E56-2530-BF60BFAE6535}"/>
-              </a:ext>
-            </a:extLst>
-          </p:cNvPr>
-          <p:cNvPicPr>
-            <a:picLocks noChangeAspect="1"/>
-          </p:cNvPicPr>
-          <p:nvPr/>
-        </p:nvPicPr>
-        <p:blipFill>
-          <a:blip r:embed="rId3"/>
-          <a:stretch>
-            <a:fillRect/>
-          </a:stretch>
-        </p:blipFill>
-        <p:spPr>
-          <a:xfrm>
-            <a:off x="10768760" y="1013484"/>
-            <a:ext cx="1216996" cy="1216996"/>
-          </a:xfrm>
-          <a:prstGeom prst="rect">
-            <a:avLst/>
-          </a:prstGeom>
-        </p:spPr>
-      </p:pic>
     </p:spTree>
     <p:extLst>
       <p:ext uri="{BB962C8B-B14F-4D97-AF65-F5344CB8AC3E}">
@@ -3124,7 +3571,7 @@
         </p:spPr>
         <p:txBody>
           <a:bodyPr>
-            <a:normAutofit fontScale="92500" lnSpcReduction="10000"/>
+            <a:normAutofit fontScale="85000" lnSpcReduction="10000"/>
           </a:bodyPr>
           <a:lstStyle/>
           <a:p>
@@ -3132,8 +3579,12 @@
               <a:buNone/>
             </a:pPr>
             <a:r>
-              <a:rPr lang="en-US" dirty="0"/>
-              <a:t>Process Flow (see console output on right):</a:t>
+              <a:rPr lang="en-US" b="1" u="sng" dirty="0"/>
+              <a:t>Process Flow </a:t>
+            </a:r>
+            <a:r>
+              <a:rPr lang="en-US" sz="1500" b="1" i="1" u="sng" dirty="0"/>
+              <a:t>(see console output on right):</a:t>
             </a:r>
           </a:p>
           <a:p>
@@ -3143,8 +3594,27 @@
             </a:pPr>
             <a:r>
               <a:rPr lang="en-US" dirty="0"/>
-              <a:t>Requests user’s name</a:t>
-            </a:r>
+              <a:t>Application requests user’s name.</a:t>
+            </a:r>
+            <a:br>
+              <a:rPr lang="en-US" dirty="0"/>
+            </a:br>
+            <a:r>
+              <a:rPr lang="en-US" sz="1300" i="1" dirty="0"/>
+              <a:t>Example user enters: </a:t>
+            </a:r>
+            <a:r>
+              <a:rPr lang="en-US" sz="1300" b="1" i="1" dirty="0">
+                <a:solidFill>
+                  <a:srgbClr val="FF0000"/>
+                </a:solidFill>
+                <a:highlight>
+                  <a:srgbClr val="0000FF"/>
+                </a:highlight>
+              </a:rPr>
+              <a:t> MTSU CSCI Department </a:t>
+            </a:r>
+            <a:endParaRPr lang="en-US" dirty="0"/>
           </a:p>
           <a:p>
             <a:pPr marL="342900" indent="-342900">
@@ -3153,7 +3623,27 @@
             </a:pPr>
             <a:r>
               <a:rPr lang="en-US" dirty="0"/>
-              <a:t>Creates a simple text saying ”hi” to the user and telling the day of the week and how many days are left until the weekend.</a:t>
+              <a:t>Creates a simple text saying ”</a:t>
+            </a:r>
+            <a:r>
+              <a:rPr lang="en-US" b="1" dirty="0"/>
+              <a:t>Hi…</a:t>
+            </a:r>
+            <a:r>
+              <a:rPr lang="en-US" dirty="0"/>
+              <a:t>” text to the user and reciting the name of the day and how many days are left until the weekend. </a:t>
+            </a:r>
+            <a:r>
+              <a:rPr lang="en-US" sz="1500" dirty="0"/>
+              <a:t>(</a:t>
+            </a:r>
+            <a:r>
+              <a:rPr lang="en-US" sz="1500" i="1" dirty="0"/>
+              <a:t>illustrates change</a:t>
+            </a:r>
+            <a:r>
+              <a:rPr lang="en-US" sz="1500" dirty="0"/>
+              <a:t>)</a:t>
             </a:r>
           </a:p>
           <a:p>
@@ -3163,7 +3653,7 @@
             </a:pPr>
             <a:r>
               <a:rPr lang="en-US" dirty="0"/>
-              <a:t>Sends text to AS Polly for synthesis</a:t>
+              <a:t>Sends (API) text to AWS Polly for synthesis that returns a “Readable Stream”</a:t>
             </a:r>
           </a:p>
           <a:p>
@@ -3215,36 +3705,6 @@
           </a:p>
         </p:txBody>
       </p:sp>
-      <p:pic>
-        <p:nvPicPr>
-          <p:cNvPr id="5" name="Picture 4" descr="Icon&#10;&#10;Description automatically generated">
-            <a:extLst>
-              <a:ext uri="{FF2B5EF4-FFF2-40B4-BE49-F238E27FC236}">
-                <a16:creationId xmlns:a16="http://schemas.microsoft.com/office/drawing/2014/main" id="{9776E782-813F-C68E-466A-F52C557EBF66}"/>
-              </a:ext>
-            </a:extLst>
-          </p:cNvPr>
-          <p:cNvPicPr>
-            <a:picLocks noChangeAspect="1"/>
-          </p:cNvPicPr>
-          <p:nvPr/>
-        </p:nvPicPr>
-        <p:blipFill>
-          <a:blip r:embed="rId3"/>
-          <a:stretch>
-            <a:fillRect/>
-          </a:stretch>
-        </p:blipFill>
-        <p:spPr>
-          <a:xfrm>
-            <a:off x="7991736" y="386873"/>
-            <a:ext cx="3112128" cy="1903747"/>
-          </a:xfrm>
-          <a:prstGeom prst="rect">
-            <a:avLst/>
-          </a:prstGeom>
-        </p:spPr>
-      </p:pic>
       <p:sp>
         <p:nvSpPr>
           <p:cNvPr id="7" name="TextBox 6">
@@ -3300,7 +3760,21 @@
                 <a:ea typeface="Menlo" panose="020B0609030804020204" pitchFamily="49" charset="0"/>
                 <a:cs typeface="Menlo" panose="020B0609030804020204" pitchFamily="49" charset="0"/>
               </a:rPr>
-              <a:t>What's your name: MTSU CSCI Department</a:t>
+              <a:t>What's your name: </a:t>
+            </a:r>
+            <a:r>
+              <a:rPr lang="en-US" sz="1000" b="1" dirty="0">
+                <a:solidFill>
+                  <a:srgbClr val="FF0000"/>
+                </a:solidFill>
+                <a:highlight>
+                  <a:srgbClr val="0000FF"/>
+                </a:highlight>
+                <a:latin typeface="Menlo" panose="020B0609030804020204" pitchFamily="49" charset="0"/>
+                <a:ea typeface="Menlo" panose="020B0609030804020204" pitchFamily="49" charset="0"/>
+                <a:cs typeface="Menlo" panose="020B0609030804020204" pitchFamily="49" charset="0"/>
+              </a:rPr>
+              <a:t>MTSU CSCI Department</a:t>
             </a:r>
           </a:p>
           <a:p>
@@ -3613,7 +4087,7 @@
           <a:p>
             <a:r>
               <a:rPr lang="en-US" dirty="0"/>
-              <a:t>Demo</a:t>
+              <a:t>Demo (cont.)</a:t>
             </a:r>
           </a:p>
         </p:txBody>
@@ -3636,452 +4110,31 @@
         </p:nvSpPr>
         <p:spPr>
           <a:xfrm>
-            <a:off x="181110" y="1929284"/>
-            <a:ext cx="6040396" cy="4456767"/>
+            <a:off x="181110" y="1778794"/>
+            <a:ext cx="11785290" cy="4692333"/>
           </a:xfrm>
         </p:spPr>
         <p:txBody>
-          <a:bodyPr>
-            <a:normAutofit fontScale="92500" lnSpcReduction="10000"/>
+          <a:bodyPr anchor="ctr">
+            <a:normAutofit/>
           </a:bodyPr>
           <a:lstStyle/>
           <a:p>
-            <a:pPr marL="0" indent="0">
+            <a:pPr marL="0" indent="0" algn="ctr">
               <a:buNone/>
             </a:pPr>
             <a:r>
-              <a:rPr lang="en-US" dirty="0"/>
-              <a:t>Process Flow (see console output on right):</a:t>
-            </a:r>
-          </a:p>
-          <a:p>
-            <a:pPr marL="342900" indent="-342900">
-              <a:buFont typeface="+mj-lt"/>
-              <a:buAutoNum type="arabicPeriod"/>
-            </a:pPr>
-            <a:r>
-              <a:rPr lang="en-US" dirty="0"/>
-              <a:t>Requests user’s name</a:t>
-            </a:r>
-          </a:p>
-          <a:p>
-            <a:pPr marL="342900" indent="-342900">
-              <a:buFont typeface="+mj-lt"/>
-              <a:buAutoNum type="arabicPeriod"/>
-            </a:pPr>
-            <a:r>
-              <a:rPr lang="en-US" dirty="0"/>
-              <a:t>Creates a simple text saying ”hi” to the user and telling the day of the week and how many days are left until the weekend.</a:t>
-            </a:r>
-          </a:p>
-          <a:p>
-            <a:pPr marL="342900" indent="-342900">
-              <a:buFont typeface="+mj-lt"/>
-              <a:buAutoNum type="arabicPeriod"/>
-            </a:pPr>
-            <a:r>
-              <a:rPr lang="en-US" dirty="0"/>
-              <a:t>Sends text to AS Polly for synthesis</a:t>
-            </a:r>
-          </a:p>
-          <a:p>
-            <a:pPr marL="342900" indent="-342900">
-              <a:buFont typeface="+mj-lt"/>
-              <a:buAutoNum type="arabicPeriod"/>
-            </a:pPr>
-            <a:r>
-              <a:rPr lang="en-US" dirty="0"/>
-              <a:t>Saves mp3 file to disk</a:t>
-            </a:r>
-          </a:p>
-          <a:p>
-            <a:pPr marL="342900" indent="-342900">
-              <a:buFont typeface="+mj-lt"/>
-              <a:buAutoNum type="arabicPeriod"/>
-            </a:pPr>
-            <a:r>
-              <a:rPr lang="en-US" dirty="0"/>
-              <a:t>Uploads mp3 to S3</a:t>
-            </a:r>
-          </a:p>
-          <a:p>
-            <a:pPr marL="342900" indent="-342900">
-              <a:buFont typeface="+mj-lt"/>
-              <a:buAutoNum type="arabicPeriod"/>
-            </a:pPr>
-            <a:r>
-              <a:rPr lang="en-US" dirty="0"/>
-              <a:t>Retrieves size of object (uploaded mp3) and displays on console</a:t>
-            </a:r>
-          </a:p>
-          <a:p>
-            <a:pPr marL="342900" indent="-342900">
-              <a:buFont typeface="+mj-lt"/>
-              <a:buAutoNum type="arabicPeriod"/>
-            </a:pPr>
-            <a:r>
-              <a:rPr lang="en-US" dirty="0"/>
-              <a:t>Plays the AWS Polly mp3 file on user’s PC </a:t>
-            </a:r>
-            <a:r>
-              <a:rPr lang="en-US" dirty="0">
-                <a:sym typeface="Wingdings" pitchFamily="2" charset="2"/>
-              </a:rPr>
-              <a:t></a:t>
-            </a:r>
-            <a:endParaRPr lang="en-US" dirty="0"/>
-          </a:p>
-        </p:txBody>
-      </p:sp>
-      <p:pic>
-        <p:nvPicPr>
-          <p:cNvPr id="5" name="Picture 4" descr="Icon&#10;&#10;Description automatically generated">
-            <a:extLst>
-              <a:ext uri="{FF2B5EF4-FFF2-40B4-BE49-F238E27FC236}">
-                <a16:creationId xmlns:a16="http://schemas.microsoft.com/office/drawing/2014/main" id="{9776E782-813F-C68E-466A-F52C557EBF66}"/>
-              </a:ext>
-            </a:extLst>
-          </p:cNvPr>
-          <p:cNvPicPr>
-            <a:picLocks noChangeAspect="1"/>
-          </p:cNvPicPr>
-          <p:nvPr/>
-        </p:nvPicPr>
-        <p:blipFill>
-          <a:blip r:embed="rId3"/>
-          <a:stretch>
-            <a:fillRect/>
-          </a:stretch>
-        </p:blipFill>
-        <p:spPr>
-          <a:xfrm>
-            <a:off x="7991736" y="386873"/>
-            <a:ext cx="3112128" cy="1903747"/>
-          </a:xfrm>
-          <a:prstGeom prst="rect">
-            <a:avLst/>
-          </a:prstGeom>
-        </p:spPr>
-      </p:pic>
-      <p:sp>
-        <p:nvSpPr>
-          <p:cNvPr id="7" name="TextBox 6">
-            <a:extLst>
-              <a:ext uri="{FF2B5EF4-FFF2-40B4-BE49-F238E27FC236}">
-                <a16:creationId xmlns:a16="http://schemas.microsoft.com/office/drawing/2014/main" id="{A73AFF02-BB46-1AA5-B1B9-85294AAD6FE1}"/>
-              </a:ext>
-            </a:extLst>
-          </p:cNvPr>
-          <p:cNvSpPr txBox="1"/>
-          <p:nvPr/>
-        </p:nvSpPr>
-        <p:spPr>
-          <a:xfrm>
-            <a:off x="6221506" y="2492436"/>
-            <a:ext cx="5789384" cy="3785652"/>
-          </a:xfrm>
-          <a:prstGeom prst="rect">
-            <a:avLst/>
-          </a:prstGeom>
-          <a:solidFill>
-            <a:schemeClr val="tx1">
-              <a:lumMod val="50000"/>
-              <a:lumOff val="50000"/>
-            </a:schemeClr>
-          </a:solidFill>
-        </p:spPr>
-        <p:txBody>
-          <a:bodyPr wrap="square">
-            <a:spAutoFit/>
-          </a:bodyPr>
-          <a:lstStyle/>
-          <a:p>
-            <a:r>
-              <a:rPr lang="en-US" sz="1000" dirty="0">
-                <a:solidFill>
-                  <a:srgbClr val="FFFF00"/>
-                </a:solidFill>
-                <a:latin typeface="Menlo" panose="020B0609030804020204" pitchFamily="49" charset="0"/>
-                <a:ea typeface="Menlo" panose="020B0609030804020204" pitchFamily="49" charset="0"/>
-                <a:cs typeface="Menlo" panose="020B0609030804020204" pitchFamily="49" charset="0"/>
-              </a:rPr>
-              <a:t>Hi,</a:t>
-            </a:r>
-          </a:p>
-          <a:p>
-            <a:r>
-              <a:rPr lang="en-US" sz="1000" dirty="0">
-                <a:solidFill>
-                  <a:srgbClr val="FFFF00"/>
-                </a:solidFill>
-                <a:latin typeface="Menlo" panose="020B0609030804020204" pitchFamily="49" charset="0"/>
-                <a:ea typeface="Menlo" panose="020B0609030804020204" pitchFamily="49" charset="0"/>
-                <a:cs typeface="Menlo" panose="020B0609030804020204" pitchFamily="49" charset="0"/>
-              </a:rPr>
-              <a:t>What's your name: MTSU CSCI Department</a:t>
-            </a:r>
-          </a:p>
-          <a:p>
-            <a:endParaRPr lang="en-US" sz="1000" dirty="0">
-              <a:solidFill>
-                <a:srgbClr val="FFFF00"/>
-              </a:solidFill>
-              <a:latin typeface="Menlo" panose="020B0609030804020204" pitchFamily="49" charset="0"/>
-              <a:ea typeface="Menlo" panose="020B0609030804020204" pitchFamily="49" charset="0"/>
-              <a:cs typeface="Menlo" panose="020B0609030804020204" pitchFamily="49" charset="0"/>
-            </a:endParaRPr>
-          </a:p>
-          <a:p>
-            <a:r>
-              <a:rPr lang="en-US" sz="1000" dirty="0">
-                <a:solidFill>
-                  <a:srgbClr val="FFFF00"/>
-                </a:solidFill>
-                <a:latin typeface="Menlo" panose="020B0609030804020204" pitchFamily="49" charset="0"/>
-                <a:ea typeface="Menlo" panose="020B0609030804020204" pitchFamily="49" charset="0"/>
-                <a:cs typeface="Menlo" panose="020B0609030804020204" pitchFamily="49" charset="0"/>
-              </a:rPr>
-              <a:t>Sending to AWS Polly:</a:t>
-            </a:r>
-          </a:p>
-          <a:p>
-            <a:r>
-              <a:rPr lang="en-US" sz="1000" dirty="0">
-                <a:solidFill>
-                  <a:srgbClr val="FFFF00"/>
-                </a:solidFill>
-                <a:latin typeface="Menlo" panose="020B0609030804020204" pitchFamily="49" charset="0"/>
-                <a:ea typeface="Menlo" panose="020B0609030804020204" pitchFamily="49" charset="0"/>
-                <a:cs typeface="Menlo" panose="020B0609030804020204" pitchFamily="49" charset="0"/>
-              </a:rPr>
-              <a:t>&gt;&gt;&gt; Hi MTSU CSCI Department, I hope you are doing well on this beautiful Wednesday? Only 2 days until the weekend! &lt;&lt;&lt;</a:t>
-            </a:r>
-          </a:p>
-          <a:p>
-            <a:r>
-              <a:rPr lang="en-US" sz="1000" dirty="0">
-                <a:solidFill>
-                  <a:srgbClr val="FFFF00"/>
-                </a:solidFill>
-                <a:latin typeface="Menlo" panose="020B0609030804020204" pitchFamily="49" charset="0"/>
-                <a:ea typeface="Menlo" panose="020B0609030804020204" pitchFamily="49" charset="0"/>
-                <a:cs typeface="Menlo" panose="020B0609030804020204" pitchFamily="49" charset="0"/>
-              </a:rPr>
-              <a:t>AWS Round Trip: 263.506ms</a:t>
-            </a:r>
-          </a:p>
-          <a:p>
-            <a:endParaRPr lang="en-US" sz="1000" dirty="0">
-              <a:solidFill>
-                <a:srgbClr val="FFFF00"/>
-              </a:solidFill>
-              <a:latin typeface="Menlo" panose="020B0609030804020204" pitchFamily="49" charset="0"/>
-              <a:ea typeface="Menlo" panose="020B0609030804020204" pitchFamily="49" charset="0"/>
-              <a:cs typeface="Menlo" panose="020B0609030804020204" pitchFamily="49" charset="0"/>
-            </a:endParaRPr>
-          </a:p>
-          <a:p>
-            <a:r>
-              <a:rPr lang="en-US" sz="1000" dirty="0">
-                <a:solidFill>
-                  <a:srgbClr val="FFFF00"/>
-                </a:solidFill>
-                <a:latin typeface="Menlo" panose="020B0609030804020204" pitchFamily="49" charset="0"/>
-                <a:ea typeface="Menlo" panose="020B0609030804020204" pitchFamily="49" charset="0"/>
-                <a:cs typeface="Menlo" panose="020B0609030804020204" pitchFamily="49" charset="0"/>
-              </a:rPr>
-              <a:t>Saving (2023-03-22T20:00:31.543Z.mp3) to local disk now...</a:t>
-            </a:r>
-          </a:p>
-          <a:p>
-            <a:r>
-              <a:rPr lang="en-US" sz="1000" dirty="0">
-                <a:solidFill>
-                  <a:srgbClr val="FFFF00"/>
-                </a:solidFill>
-                <a:latin typeface="Menlo" panose="020B0609030804020204" pitchFamily="49" charset="0"/>
-                <a:ea typeface="Menlo" panose="020B0609030804020204" pitchFamily="49" charset="0"/>
-                <a:cs typeface="Menlo" panose="020B0609030804020204" pitchFamily="49" charset="0"/>
-              </a:rPr>
-              <a:t>Local save complete</a:t>
-            </a:r>
-          </a:p>
-          <a:p>
-            <a:r>
-              <a:rPr lang="en-US" sz="1000" dirty="0">
-                <a:solidFill>
-                  <a:srgbClr val="FFFF00"/>
-                </a:solidFill>
-                <a:latin typeface="Menlo" panose="020B0609030804020204" pitchFamily="49" charset="0"/>
-                <a:ea typeface="Menlo" panose="020B0609030804020204" pitchFamily="49" charset="0"/>
-                <a:cs typeface="Menlo" panose="020B0609030804020204" pitchFamily="49" charset="0"/>
-              </a:rPr>
-              <a:t>Local Save: 250.559ms</a:t>
-            </a:r>
-          </a:p>
-          <a:p>
-            <a:endParaRPr lang="en-US" sz="1000" dirty="0">
-              <a:solidFill>
-                <a:srgbClr val="FFFF00"/>
-              </a:solidFill>
-              <a:latin typeface="Menlo" panose="020B0609030804020204" pitchFamily="49" charset="0"/>
-              <a:ea typeface="Menlo" panose="020B0609030804020204" pitchFamily="49" charset="0"/>
-              <a:cs typeface="Menlo" panose="020B0609030804020204" pitchFamily="49" charset="0"/>
-            </a:endParaRPr>
-          </a:p>
-          <a:p>
-            <a:r>
-              <a:rPr lang="en-US" sz="1000" dirty="0">
-                <a:solidFill>
-                  <a:srgbClr val="FFFF00"/>
-                </a:solidFill>
-                <a:latin typeface="Menlo" panose="020B0609030804020204" pitchFamily="49" charset="0"/>
-                <a:ea typeface="Menlo" panose="020B0609030804020204" pitchFamily="49" charset="0"/>
-                <a:cs typeface="Menlo" panose="020B0609030804020204" pitchFamily="49" charset="0"/>
-              </a:rPr>
-              <a:t>Uploading (2023-03-22T20:00:31.543Z.mp3) to S3 now...</a:t>
-            </a:r>
-          </a:p>
-          <a:p>
-            <a:r>
-              <a:rPr lang="en-US" sz="1000" dirty="0">
-                <a:solidFill>
-                  <a:srgbClr val="FFFF00"/>
-                </a:solidFill>
-                <a:latin typeface="Menlo" panose="020B0609030804020204" pitchFamily="49" charset="0"/>
-                <a:ea typeface="Menlo" panose="020B0609030804020204" pitchFamily="49" charset="0"/>
-                <a:cs typeface="Menlo" panose="020B0609030804020204" pitchFamily="49" charset="0"/>
-              </a:rPr>
-              <a:t>Uploading to S3 complete</a:t>
-            </a:r>
-          </a:p>
-          <a:p>
-            <a:r>
-              <a:rPr lang="en-US" sz="1000" dirty="0">
-                <a:solidFill>
-                  <a:srgbClr val="FFFF00"/>
-                </a:solidFill>
-                <a:latin typeface="Menlo" panose="020B0609030804020204" pitchFamily="49" charset="0"/>
-                <a:ea typeface="Menlo" panose="020B0609030804020204" pitchFamily="49" charset="0"/>
-                <a:cs typeface="Menlo" panose="020B0609030804020204" pitchFamily="49" charset="0"/>
-              </a:rPr>
-              <a:t>AWS Round Trip: 471.409ms</a:t>
-            </a:r>
-          </a:p>
-          <a:p>
-            <a:endParaRPr lang="en-US" sz="1000" dirty="0">
-              <a:solidFill>
-                <a:srgbClr val="FFFF00"/>
-              </a:solidFill>
-              <a:latin typeface="Menlo" panose="020B0609030804020204" pitchFamily="49" charset="0"/>
-              <a:ea typeface="Menlo" panose="020B0609030804020204" pitchFamily="49" charset="0"/>
-              <a:cs typeface="Menlo" panose="020B0609030804020204" pitchFamily="49" charset="0"/>
-            </a:endParaRPr>
-          </a:p>
-          <a:p>
-            <a:r>
-              <a:rPr lang="en-US" sz="1000" dirty="0">
-                <a:solidFill>
-                  <a:srgbClr val="FFFF00"/>
-                </a:solidFill>
-                <a:latin typeface="Menlo" panose="020B0609030804020204" pitchFamily="49" charset="0"/>
-                <a:ea typeface="Menlo" panose="020B0609030804020204" pitchFamily="49" charset="0"/>
-                <a:cs typeface="Menlo" panose="020B0609030804020204" pitchFamily="49" charset="0"/>
-              </a:rPr>
-              <a:t>Get size of uploaded file from S3 now..</a:t>
-            </a:r>
-          </a:p>
-          <a:p>
-            <a:r>
-              <a:rPr lang="en-US" sz="1000" dirty="0">
-                <a:solidFill>
-                  <a:srgbClr val="FFFF00"/>
-                </a:solidFill>
-                <a:latin typeface="Menlo" panose="020B0609030804020204" pitchFamily="49" charset="0"/>
-                <a:ea typeface="Menlo" panose="020B0609030804020204" pitchFamily="49" charset="0"/>
-                <a:cs typeface="Menlo" panose="020B0609030804020204" pitchFamily="49" charset="0"/>
-              </a:rPr>
-              <a:t>File (2023-03-22T20:00:31.543Z.mp3) retrieved is 43.92kb</a:t>
-            </a:r>
-          </a:p>
-          <a:p>
-            <a:r>
-              <a:rPr lang="en-US" sz="1000" dirty="0">
-                <a:solidFill>
-                  <a:srgbClr val="FFFF00"/>
-                </a:solidFill>
-                <a:latin typeface="Menlo" panose="020B0609030804020204" pitchFamily="49" charset="0"/>
-                <a:ea typeface="Menlo" panose="020B0609030804020204" pitchFamily="49" charset="0"/>
-                <a:cs typeface="Menlo" panose="020B0609030804020204" pitchFamily="49" charset="0"/>
-              </a:rPr>
-              <a:t>AWS Round Trip: 40.919ms</a:t>
-            </a:r>
-          </a:p>
-          <a:p>
-            <a:endParaRPr lang="en-US" sz="1000" dirty="0">
-              <a:solidFill>
-                <a:srgbClr val="FFFF00"/>
-              </a:solidFill>
-              <a:latin typeface="Menlo" panose="020B0609030804020204" pitchFamily="49" charset="0"/>
-              <a:ea typeface="Menlo" panose="020B0609030804020204" pitchFamily="49" charset="0"/>
-              <a:cs typeface="Menlo" panose="020B0609030804020204" pitchFamily="49" charset="0"/>
-            </a:endParaRPr>
-          </a:p>
-          <a:p>
-            <a:r>
-              <a:rPr lang="en-US" sz="1000" dirty="0">
-                <a:solidFill>
-                  <a:srgbClr val="FFFF00"/>
-                </a:solidFill>
-                <a:latin typeface="Menlo" panose="020B0609030804020204" pitchFamily="49" charset="0"/>
-                <a:ea typeface="Menlo" panose="020B0609030804020204" pitchFamily="49" charset="0"/>
-                <a:cs typeface="Menlo" panose="020B0609030804020204" pitchFamily="49" charset="0"/>
-              </a:rPr>
-              <a:t>Playing returned "mp3" now...</a:t>
-            </a:r>
-          </a:p>
-          <a:p>
-            <a:r>
-              <a:rPr lang="en-US" sz="1000" dirty="0">
-                <a:solidFill>
-                  <a:srgbClr val="FFFF00"/>
-                </a:solidFill>
-                <a:latin typeface="Menlo" panose="020B0609030804020204" pitchFamily="49" charset="0"/>
-                <a:ea typeface="Menlo" panose="020B0609030804020204" pitchFamily="49" charset="0"/>
-                <a:cs typeface="Menlo" panose="020B0609030804020204" pitchFamily="49" charset="0"/>
-              </a:rPr>
-              <a:t>Sound Play Time: 7.767s</a:t>
-            </a:r>
-          </a:p>
-          <a:p>
-            <a:endParaRPr lang="en-US" sz="1000" dirty="0">
-              <a:solidFill>
-                <a:srgbClr val="FFFF00"/>
-              </a:solidFill>
-              <a:latin typeface="Menlo" panose="020B0609030804020204" pitchFamily="49" charset="0"/>
-              <a:ea typeface="Menlo" panose="020B0609030804020204" pitchFamily="49" charset="0"/>
-              <a:cs typeface="Menlo" panose="020B0609030804020204" pitchFamily="49" charset="0"/>
-            </a:endParaRPr>
-          </a:p>
-          <a:p>
-            <a:r>
-              <a:rPr lang="en-US" sz="1000" dirty="0">
-                <a:solidFill>
-                  <a:srgbClr val="FFFF00"/>
-                </a:solidFill>
-                <a:latin typeface="Menlo" panose="020B0609030804020204" pitchFamily="49" charset="0"/>
-                <a:ea typeface="Menlo" panose="020B0609030804020204" pitchFamily="49" charset="0"/>
-                <a:cs typeface="Menlo" panose="020B0609030804020204" pitchFamily="49" charset="0"/>
-              </a:rPr>
-              <a:t>Done with Demo - Have a good day!</a:t>
-            </a:r>
+              <a:rPr lang="en-US" sz="4800" dirty="0"/>
+              <a:t>Demo in Terminal</a:t>
+            </a:r>
+            <a:endParaRPr lang="en-US" sz="4800" i="1" dirty="0"/>
           </a:p>
         </p:txBody>
       </p:sp>
     </p:spTree>
     <p:extLst>
       <p:ext uri="{BB962C8B-B14F-4D97-AF65-F5344CB8AC3E}">
-        <p14:creationId xmlns:p14="http://schemas.microsoft.com/office/powerpoint/2010/main" val="1609055739"/>
+        <p14:creationId xmlns:p14="http://schemas.microsoft.com/office/powerpoint/2010/main" val="4290636441"/>
       </p:ext>
     </p:extLst>
   </p:cSld>
